--- a/GoogleAdwords_Reports/10-27-2017_Adwords-Reeport.pptx
+++ b/GoogleAdwords_Reports/10-27-2017_Adwords-Reeport.pptx
@@ -6478,11 +6478,7 @@
           <a:p>
             <a:r>
               <a:rPr lang="en-US" dirty="0" smtClean="0"/>
-              <a:t>Recent Activities</a:t>
-            </a:r>
-            <a:r>
-              <a:rPr lang="en-US" dirty="0" smtClean="0"/>
-              <a:t>:</a:t>
+              <a:t>Recent Activities:</a:t>
             </a:r>
             <a:endParaRPr lang="en-US" dirty="0"/>
           </a:p>
@@ -6578,23 +6574,7 @@
                   <a:schemeClr val="accent1"/>
                 </a:solidFill>
               </a:rPr>
-              <a:t>Setting </a:t>
-            </a:r>
-            <a:r>
-              <a:rPr lang="en-US" sz="2000" b="1" dirty="0" smtClean="0">
-                <a:solidFill>
-                  <a:schemeClr val="accent1"/>
-                </a:solidFill>
-              </a:rPr>
-              <a:t>up new </a:t>
-            </a:r>
-            <a:r>
-              <a:rPr lang="en-US" sz="2000" b="1" dirty="0" smtClean="0">
-                <a:solidFill>
-                  <a:schemeClr val="accent1"/>
-                </a:solidFill>
-              </a:rPr>
-              <a:t>goals</a:t>
+              <a:t>Setting up new goals</a:t>
             </a:r>
           </a:p>
           <a:p>
@@ -6624,21 +6604,8 @@
                   <a:schemeClr val="accent1"/>
                 </a:solidFill>
               </a:rPr>
-              <a:t>Tracking page </a:t>
+              <a:t>Tracking page visits</a:t>
             </a:r>
-            <a:r>
-              <a:rPr lang="en-US" sz="2000" b="1" dirty="0">
-                <a:solidFill>
-                  <a:schemeClr val="accent1"/>
-                </a:solidFill>
-              </a:rPr>
-              <a:t>visits</a:t>
-            </a:r>
-            <a:endParaRPr lang="en-US" sz="2000" b="1" dirty="0">
-              <a:solidFill>
-                <a:schemeClr val="accent1"/>
-              </a:solidFill>
-            </a:endParaRPr>
           </a:p>
           <a:p>
             <a:r>
@@ -6658,45 +6625,8 @@
                   <a:schemeClr val="accent1"/>
                 </a:solidFill>
               </a:rPr>
-              <a:t>Cost </a:t>
+              <a:t>Cost and Cost per Click (CPC)</a:t>
             </a:r>
-            <a:r>
-              <a:rPr lang="en-US" sz="2200" b="1" dirty="0" smtClean="0">
-                <a:solidFill>
-                  <a:schemeClr val="accent1"/>
-                </a:solidFill>
-              </a:rPr>
-              <a:t>and </a:t>
-            </a:r>
-            <a:r>
-              <a:rPr lang="en-US" sz="2200" b="1" dirty="0" smtClean="0">
-                <a:solidFill>
-                  <a:schemeClr val="accent1"/>
-                </a:solidFill>
-              </a:rPr>
-              <a:t>Cost </a:t>
-            </a:r>
-            <a:r>
-              <a:rPr lang="en-US" sz="2200" b="1" dirty="0" smtClean="0">
-                <a:solidFill>
-                  <a:schemeClr val="accent1"/>
-                </a:solidFill>
-              </a:rPr>
-              <a:t>per </a:t>
-            </a:r>
-            <a:r>
-              <a:rPr lang="en-US" sz="2200" b="1" dirty="0" smtClean="0">
-                <a:solidFill>
-                  <a:schemeClr val="accent1"/>
-                </a:solidFill>
-              </a:rPr>
-              <a:t>Click (CPC)</a:t>
-            </a:r>
-            <a:endParaRPr lang="en-US" sz="2200" b="1" dirty="0" smtClean="0">
-              <a:solidFill>
-                <a:schemeClr val="accent1"/>
-              </a:solidFill>
-            </a:endParaRPr>
           </a:p>
           <a:p>
             <a:pPr lvl="1"/>
@@ -7071,13 +7001,13 @@
             <p:ph idx="1"/>
             <p:extLst>
               <p:ext uri="{D42A27DB-BD31-4B8C-83A1-F6EECF244321}">
-                <p14:modId xmlns:p14="http://schemas.microsoft.com/office/powerpoint/2010/main" val="3243621423"/>
+                <p14:modId xmlns:p14="http://schemas.microsoft.com/office/powerpoint/2010/main" val="1208647503"/>
               </p:ext>
             </p:extLst>
           </p:nvPr>
         </p:nvGraphicFramePr>
         <p:xfrm>
-          <a:off x="677334" y="1930400"/>
+          <a:off x="783749" y="1481513"/>
           <a:ext cx="8383837" cy="3047144"/>
         </p:xfrm>
         <a:graphic>
@@ -7624,7 +7554,7 @@
                     <a:p>
                       <a:pPr algn="ctr" fontAlgn="ctr"/>
                       <a:r>
-                        <a:rPr lang="en-US" sz="800" b="0" i="0" u="none" strike="noStrike">
+                        <a:rPr lang="en-US" sz="800" b="0" i="0" u="none" strike="noStrike" dirty="0">
                           <a:solidFill>
                             <a:srgbClr val="000000"/>
                           </a:solidFill>
@@ -7864,7 +7794,7 @@
                     <a:p>
                       <a:pPr algn="ctr" fontAlgn="ctr"/>
                       <a:r>
-                        <a:rPr lang="en-US" sz="800" b="0" i="0" u="none" strike="noStrike">
+                        <a:rPr lang="en-US" sz="800" b="0" i="0" u="none" strike="noStrike" dirty="0">
                           <a:solidFill>
                             <a:srgbClr val="000000"/>
                           </a:solidFill>
@@ -8045,7 +7975,7 @@
                     <a:p>
                       <a:pPr algn="ctr" fontAlgn="ctr"/>
                       <a:r>
-                        <a:rPr lang="en-US" sz="800" b="0" i="0" u="none" strike="noStrike">
+                        <a:rPr lang="en-US" sz="800" b="0" i="0" u="none" strike="noStrike" dirty="0">
                           <a:solidFill>
                             <a:srgbClr val="000000"/>
                           </a:solidFill>
@@ -8105,7 +8035,7 @@
                     <a:p>
                       <a:pPr algn="ctr" fontAlgn="ctr"/>
                       <a:r>
-                        <a:rPr lang="en-US" sz="800" b="0" i="0" u="none" strike="noStrike">
+                        <a:rPr lang="en-US" sz="800" b="0" i="0" u="none" strike="noStrike" dirty="0">
                           <a:solidFill>
                             <a:srgbClr val="000000"/>
                           </a:solidFill>
@@ -8285,7 +8215,7 @@
                     <a:p>
                       <a:pPr algn="ctr" fontAlgn="ctr"/>
                       <a:r>
-                        <a:rPr lang="en-US" sz="800" b="0" i="0" u="none" strike="noStrike">
+                        <a:rPr lang="en-US" sz="800" b="0" i="0" u="none" strike="noStrike" dirty="0">
                           <a:solidFill>
                             <a:srgbClr val="000000"/>
                           </a:solidFill>
@@ -8466,7 +8396,7 @@
                     <a:p>
                       <a:pPr algn="ctr" fontAlgn="ctr"/>
                       <a:r>
-                        <a:rPr lang="en-US" sz="800" b="0" i="0" u="none" strike="noStrike">
+                        <a:rPr lang="en-US" sz="800" b="0" i="0" u="none" strike="noStrike" dirty="0">
                           <a:solidFill>
                             <a:srgbClr val="000000"/>
                           </a:solidFill>
@@ -8526,7 +8456,7 @@
                     <a:p>
                       <a:pPr algn="ctr" fontAlgn="ctr"/>
                       <a:r>
-                        <a:rPr lang="en-US" sz="800" b="0" i="0" u="none" strike="noStrike">
+                        <a:rPr lang="en-US" sz="800" b="0" i="0" u="none" strike="noStrike" dirty="0">
                           <a:solidFill>
                             <a:srgbClr val="000000"/>
                           </a:solidFill>
@@ -8706,7 +8636,7 @@
                     <a:p>
                       <a:pPr algn="ctr" fontAlgn="ctr"/>
                       <a:r>
-                        <a:rPr lang="en-US" sz="800" b="0" i="0" u="none" strike="noStrike">
+                        <a:rPr lang="en-US" sz="800" b="0" i="0" u="none" strike="noStrike" dirty="0">
                           <a:solidFill>
                             <a:srgbClr val="000000"/>
                           </a:solidFill>
@@ -8887,7 +8817,7 @@
                     <a:p>
                       <a:pPr algn="ctr" fontAlgn="ctr"/>
                       <a:r>
-                        <a:rPr lang="en-US" sz="800" b="0" i="0" u="none" strike="noStrike">
+                        <a:rPr lang="en-US" sz="800" b="0" i="0" u="none" strike="noStrike" dirty="0">
                           <a:solidFill>
                             <a:srgbClr val="000000"/>
                           </a:solidFill>
@@ -8947,7 +8877,7 @@
                     <a:p>
                       <a:pPr algn="ctr" fontAlgn="ctr"/>
                       <a:r>
-                        <a:rPr lang="en-US" sz="800" b="0" i="0" u="none" strike="noStrike">
+                        <a:rPr lang="en-US" sz="800" b="0" i="0" u="none" strike="noStrike" dirty="0">
                           <a:solidFill>
                             <a:srgbClr val="000000"/>
                           </a:solidFill>
@@ -9127,7 +9057,7 @@
                     <a:p>
                       <a:pPr algn="ctr" fontAlgn="ctr"/>
                       <a:r>
-                        <a:rPr lang="en-US" sz="800" b="0" i="0" u="none" strike="noStrike">
+                        <a:rPr lang="en-US" sz="800" b="0" i="0" u="none" strike="noStrike" dirty="0">
                           <a:solidFill>
                             <a:srgbClr val="000000"/>
                           </a:solidFill>
@@ -9308,7 +9238,7 @@
                     <a:p>
                       <a:pPr algn="ctr" fontAlgn="ctr"/>
                       <a:r>
-                        <a:rPr lang="en-US" sz="800" b="0" i="0" u="none" strike="noStrike">
+                        <a:rPr lang="en-US" sz="800" b="0" i="0" u="none" strike="noStrike" dirty="0">
                           <a:solidFill>
                             <a:srgbClr val="000000"/>
                           </a:solidFill>
@@ -9368,7 +9298,7 @@
                     <a:p>
                       <a:pPr algn="ctr" fontAlgn="ctr"/>
                       <a:r>
-                        <a:rPr lang="en-US" sz="800" b="0" i="0" u="none" strike="noStrike">
+                        <a:rPr lang="en-US" sz="800" b="0" i="0" u="none" strike="noStrike" dirty="0">
                           <a:solidFill>
                             <a:srgbClr val="000000"/>
                           </a:solidFill>
@@ -9548,7 +9478,7 @@
                     <a:p>
                       <a:pPr algn="ctr" fontAlgn="ctr"/>
                       <a:r>
-                        <a:rPr lang="en-US" sz="800" b="0" i="0" u="none" strike="noStrike">
+                        <a:rPr lang="en-US" sz="800" b="0" i="0" u="none" strike="noStrike" dirty="0">
                           <a:solidFill>
                             <a:srgbClr val="000000"/>
                           </a:solidFill>
@@ -9664,6 +9594,748 @@
                 <a:extLst>
                   <a:ext uri="{0D108BD9-81ED-4DB2-BD59-A6C34878D82A}">
                     <a16:rowId xmlns:a16="http://schemas.microsoft.com/office/drawing/2014/main" val="2042702929"/>
+                  </a:ext>
+                </a:extLst>
+              </a:tr>
+            </a:tbl>
+          </a:graphicData>
+        </a:graphic>
+      </p:graphicFrame>
+      <p:graphicFrame>
+        <p:nvGraphicFramePr>
+          <p:cNvPr id="4" name="Table 3"/>
+          <p:cNvGraphicFramePr>
+            <a:graphicFrameLocks noGrp="1"/>
+          </p:cNvGraphicFramePr>
+          <p:nvPr>
+            <p:extLst>
+              <p:ext uri="{D42A27DB-BD31-4B8C-83A1-F6EECF244321}">
+                <p14:modId xmlns:p14="http://schemas.microsoft.com/office/powerpoint/2010/main" val="1821322215"/>
+              </p:ext>
+            </p:extLst>
+          </p:nvPr>
+        </p:nvGraphicFramePr>
+        <p:xfrm>
+          <a:off x="3331017" y="4841138"/>
+          <a:ext cx="3289300" cy="1524000"/>
+        </p:xfrm>
+        <a:graphic>
+          <a:graphicData uri="http://schemas.openxmlformats.org/drawingml/2006/table">
+            <a:tbl>
+              <a:tblPr/>
+              <a:tblGrid>
+                <a:gridCol w="1155700">
+                  <a:extLst>
+                    <a:ext uri="{9D8B030D-6E8A-4147-A177-3AD203B41FA5}">
+                      <a16:colId xmlns:a16="http://schemas.microsoft.com/office/drawing/2014/main" val="1682606315"/>
+                    </a:ext>
+                  </a:extLst>
+                </a:gridCol>
+                <a:gridCol w="711200">
+                  <a:extLst>
+                    <a:ext uri="{9D8B030D-6E8A-4147-A177-3AD203B41FA5}">
+                      <a16:colId xmlns:a16="http://schemas.microsoft.com/office/drawing/2014/main" val="1461234078"/>
+                    </a:ext>
+                  </a:extLst>
+                </a:gridCol>
+                <a:gridCol w="711200">
+                  <a:extLst>
+                    <a:ext uri="{9D8B030D-6E8A-4147-A177-3AD203B41FA5}">
+                      <a16:colId xmlns:a16="http://schemas.microsoft.com/office/drawing/2014/main" val="1173600082"/>
+                    </a:ext>
+                  </a:extLst>
+                </a:gridCol>
+                <a:gridCol w="711200">
+                  <a:extLst>
+                    <a:ext uri="{9D8B030D-6E8A-4147-A177-3AD203B41FA5}">
+                      <a16:colId xmlns:a16="http://schemas.microsoft.com/office/drawing/2014/main" val="1037499612"/>
+                    </a:ext>
+                  </a:extLst>
+                </a:gridCol>
+              </a:tblGrid>
+              <a:tr h="466725">
+                <a:tc gridSpan="4">
+                  <a:txBody>
+                    <a:bodyPr/>
+                    <a:lstStyle/>
+                    <a:p>
+                      <a:pPr algn="ctr" fontAlgn="ctr"/>
+                      <a:r>
+                        <a:rPr lang="en-US" sz="1100" b="1" i="0" u="none" strike="noStrike" dirty="0" err="1">
+                          <a:solidFill>
+                            <a:srgbClr val="FFFFFF"/>
+                          </a:solidFill>
+                          <a:effectLst/>
+                          <a:latin typeface="Calibri" panose="020F0502020204030204" pitchFamily="34" charset="0"/>
+                        </a:rPr>
+                        <a:t>Keword</a:t>
+                      </a:r>
+                      <a:r>
+                        <a:rPr lang="en-US" sz="1100" b="1" i="0" u="none" strike="noStrike" dirty="0">
+                          <a:solidFill>
+                            <a:srgbClr val="FFFFFF"/>
+                          </a:solidFill>
+                          <a:effectLst/>
+                          <a:latin typeface="Calibri" panose="020F0502020204030204" pitchFamily="34" charset="0"/>
+                        </a:rPr>
+                        <a:t> </a:t>
+                      </a:r>
+                      <a:r>
+                        <a:rPr lang="en-US" sz="1100" b="1" i="0" u="none" strike="noStrike" dirty="0" smtClean="0">
+                          <a:solidFill>
+                            <a:srgbClr val="FFFFFF"/>
+                          </a:solidFill>
+                          <a:effectLst/>
+                          <a:latin typeface="Calibri" panose="020F0502020204030204" pitchFamily="34" charset="0"/>
+                        </a:rPr>
+                        <a:t>Changes</a:t>
+                      </a:r>
+                    </a:p>
+                    <a:p>
+                      <a:pPr algn="ctr" fontAlgn="ctr"/>
+                      <a:r>
+                        <a:rPr lang="en-US" sz="700" b="1" i="0" u="none" strike="noStrike" dirty="0" smtClean="0">
+                          <a:solidFill>
+                            <a:srgbClr val="FFFFFF"/>
+                          </a:solidFill>
+                          <a:effectLst/>
+                          <a:latin typeface="Calibri" panose="020F0502020204030204" pitchFamily="34" charset="0"/>
+                        </a:rPr>
+                        <a:t>(Aug21 – Oct 21)</a:t>
+                      </a:r>
+                      <a:endParaRPr lang="en-US" sz="700" b="1" i="0" u="none" strike="noStrike" dirty="0">
+                        <a:solidFill>
+                          <a:srgbClr val="FFFFFF"/>
+                        </a:solidFill>
+                        <a:effectLst/>
+                        <a:latin typeface="Calibri" panose="020F0502020204030204" pitchFamily="34" charset="0"/>
+                      </a:endParaRPr>
+                    </a:p>
+                  </a:txBody>
+                  <a:tcPr marL="4763" marR="4763" marT="4763" marB="0" anchor="ctr">
+                    <a:lnL>
+                      <a:noFill/>
+                    </a:lnL>
+                    <a:lnR w="6350" cap="flat" cmpd="sng" algn="ctr">
+                      <a:noFill/>
+                      <a:prstDash val="solid"/>
+                      <a:round/>
+                      <a:headEnd type="none" w="med" len="med"/>
+                      <a:tailEnd type="none" w="med" len="med"/>
+                    </a:lnR>
+                    <a:lnT>
+                      <a:noFill/>
+                    </a:lnT>
+                    <a:lnB w="6350" cap="flat" cmpd="sng" algn="ctr">
+                      <a:solidFill>
+                        <a:srgbClr val="FFFFFF"/>
+                      </a:solidFill>
+                      <a:prstDash val="solid"/>
+                      <a:round/>
+                      <a:headEnd type="none" w="med" len="med"/>
+                      <a:tailEnd type="none" w="med" len="med"/>
+                    </a:lnB>
+                    <a:solidFill>
+                      <a:srgbClr val="70AD47"/>
+                    </a:solidFill>
+                  </a:tcPr>
+                </a:tc>
+                <a:tc hMerge="1">
+                  <a:txBody>
+                    <a:bodyPr/>
+                    <a:lstStyle/>
+                    <a:p>
+                      <a:pPr algn="ctr" fontAlgn="ctr"/>
+                      <a:endParaRPr lang="en-US" sz="1100" b="1" i="0" u="none" strike="noStrike" dirty="0">
+                        <a:solidFill>
+                          <a:srgbClr val="FFFFFF"/>
+                        </a:solidFill>
+                        <a:effectLst/>
+                        <a:latin typeface="Calibri" panose="020F0502020204030204" pitchFamily="34" charset="0"/>
+                      </a:endParaRPr>
+                    </a:p>
+                  </a:txBody>
+                  <a:tcPr marL="4763" marR="4763" marT="4763" marB="0" anchor="ctr">
+                    <a:lnL w="6350" cap="flat" cmpd="sng" algn="ctr">
+                      <a:solidFill>
+                        <a:srgbClr val="FFFFFF"/>
+                      </a:solidFill>
+                      <a:prstDash val="solid"/>
+                      <a:round/>
+                      <a:headEnd type="none" w="med" len="med"/>
+                      <a:tailEnd type="none" w="med" len="med"/>
+                    </a:lnL>
+                    <a:lnR w="6350" cap="flat" cmpd="sng" algn="ctr">
+                      <a:solidFill>
+                        <a:srgbClr val="FFFFFF"/>
+                      </a:solidFill>
+                      <a:prstDash val="solid"/>
+                      <a:round/>
+                      <a:headEnd type="none" w="med" len="med"/>
+                      <a:tailEnd type="none" w="med" len="med"/>
+                    </a:lnR>
+                    <a:lnT>
+                      <a:noFill/>
+                    </a:lnT>
+                    <a:lnB w="6350" cap="flat" cmpd="sng" algn="ctr">
+                      <a:solidFill>
+                        <a:srgbClr val="FFFFFF"/>
+                      </a:solidFill>
+                      <a:prstDash val="solid"/>
+                      <a:round/>
+                      <a:headEnd type="none" w="med" len="med"/>
+                      <a:tailEnd type="none" w="med" len="med"/>
+                    </a:lnB>
+                    <a:solidFill>
+                      <a:srgbClr val="70AD47"/>
+                    </a:solidFill>
+                  </a:tcPr>
+                </a:tc>
+                <a:tc hMerge="1">
+                  <a:txBody>
+                    <a:bodyPr/>
+                    <a:lstStyle/>
+                    <a:p>
+                      <a:pPr algn="ctr" fontAlgn="ctr"/>
+                      <a:endParaRPr lang="en-US" sz="1100" b="1" i="0" u="none" strike="noStrike" dirty="0">
+                        <a:solidFill>
+                          <a:srgbClr val="FFFFFF"/>
+                        </a:solidFill>
+                        <a:effectLst/>
+                        <a:latin typeface="Calibri" panose="020F0502020204030204" pitchFamily="34" charset="0"/>
+                      </a:endParaRPr>
+                    </a:p>
+                  </a:txBody>
+                  <a:tcPr marL="4763" marR="4763" marT="4763" marB="0" anchor="ctr">
+                    <a:lnL w="6350" cap="flat" cmpd="sng" algn="ctr">
+                      <a:solidFill>
+                        <a:srgbClr val="FFFFFF"/>
+                      </a:solidFill>
+                      <a:prstDash val="solid"/>
+                      <a:round/>
+                      <a:headEnd type="none" w="med" len="med"/>
+                      <a:tailEnd type="none" w="med" len="med"/>
+                    </a:lnL>
+                    <a:lnR w="6350" cap="flat" cmpd="sng" algn="ctr">
+                      <a:solidFill>
+                        <a:srgbClr val="FFFFFF"/>
+                      </a:solidFill>
+                      <a:prstDash val="solid"/>
+                      <a:round/>
+                      <a:headEnd type="none" w="med" len="med"/>
+                      <a:tailEnd type="none" w="med" len="med"/>
+                    </a:lnR>
+                    <a:lnT>
+                      <a:noFill/>
+                    </a:lnT>
+                    <a:lnB w="6350" cap="flat" cmpd="sng" algn="ctr">
+                      <a:solidFill>
+                        <a:srgbClr val="FFFFFF"/>
+                      </a:solidFill>
+                      <a:prstDash val="solid"/>
+                      <a:round/>
+                      <a:headEnd type="none" w="med" len="med"/>
+                      <a:tailEnd type="none" w="med" len="med"/>
+                    </a:lnB>
+                    <a:solidFill>
+                      <a:srgbClr val="70AD47"/>
+                    </a:solidFill>
+                  </a:tcPr>
+                </a:tc>
+                <a:tc hMerge="1">
+                  <a:txBody>
+                    <a:bodyPr/>
+                    <a:lstStyle/>
+                    <a:p>
+                      <a:pPr algn="ctr" fontAlgn="ctr"/>
+                      <a:endParaRPr lang="en-US" sz="1100" b="1" i="0" u="none" strike="noStrike" dirty="0">
+                        <a:solidFill>
+                          <a:srgbClr val="FFFFFF"/>
+                        </a:solidFill>
+                        <a:effectLst/>
+                        <a:latin typeface="Calibri" panose="020F0502020204030204" pitchFamily="34" charset="0"/>
+                      </a:endParaRPr>
+                    </a:p>
+                  </a:txBody>
+                  <a:tcPr marL="4763" marR="4763" marT="4763" marB="0" anchor="ctr">
+                    <a:lnL w="6350" cap="flat" cmpd="sng" algn="ctr">
+                      <a:solidFill>
+                        <a:srgbClr val="FFFFFF"/>
+                      </a:solidFill>
+                      <a:prstDash val="solid"/>
+                      <a:round/>
+                      <a:headEnd type="none" w="med" len="med"/>
+                      <a:tailEnd type="none" w="med" len="med"/>
+                    </a:lnL>
+                    <a:lnR>
+                      <a:noFill/>
+                    </a:lnR>
+                    <a:lnT>
+                      <a:noFill/>
+                    </a:lnT>
+                    <a:lnB w="6350" cap="flat" cmpd="sng" algn="ctr">
+                      <a:solidFill>
+                        <a:srgbClr val="FFFFFF"/>
+                      </a:solidFill>
+                      <a:prstDash val="solid"/>
+                      <a:round/>
+                      <a:headEnd type="none" w="med" len="med"/>
+                      <a:tailEnd type="none" w="med" len="med"/>
+                    </a:lnB>
+                    <a:solidFill>
+                      <a:srgbClr val="70AD47"/>
+                    </a:solidFill>
+                  </a:tcPr>
+                </a:tc>
+                <a:extLst>
+                  <a:ext uri="{0D108BD9-81ED-4DB2-BD59-A6C34878D82A}">
+                    <a16:rowId xmlns:a16="http://schemas.microsoft.com/office/drawing/2014/main" val="2110260969"/>
+                  </a:ext>
+                </a:extLst>
+              </a:tr>
+              <a:tr h="714375">
+                <a:tc>
+                  <a:txBody>
+                    <a:bodyPr/>
+                    <a:lstStyle/>
+                    <a:p>
+                      <a:pPr algn="ctr" fontAlgn="ctr"/>
+                      <a:r>
+                        <a:rPr lang="en-US" sz="1100" b="0" i="0" u="none" strike="noStrike">
+                          <a:solidFill>
+                            <a:srgbClr val="000000"/>
+                          </a:solidFill>
+                          <a:effectLst/>
+                          <a:latin typeface="Calibri" panose="020F0502020204030204" pitchFamily="34" charset="0"/>
+                        </a:rPr>
+                        <a:t>CPC Increased</a:t>
+                      </a:r>
+                    </a:p>
+                  </a:txBody>
+                  <a:tcPr marL="4763" marR="4763" marT="4763" marB="0" anchor="ctr">
+                    <a:lnL>
+                      <a:noFill/>
+                    </a:lnL>
+                    <a:lnR w="6350" cap="flat" cmpd="sng" algn="ctr">
+                      <a:solidFill>
+                        <a:srgbClr val="FFFFFF"/>
+                      </a:solidFill>
+                      <a:prstDash val="solid"/>
+                      <a:round/>
+                      <a:headEnd type="none" w="med" len="med"/>
+                      <a:tailEnd type="none" w="med" len="med"/>
+                    </a:lnR>
+                    <a:lnT w="6350" cap="flat" cmpd="sng" algn="ctr">
+                      <a:solidFill>
+                        <a:srgbClr val="FFFFFF"/>
+                      </a:solidFill>
+                      <a:prstDash val="solid"/>
+                      <a:round/>
+                      <a:headEnd type="none" w="med" len="med"/>
+                      <a:tailEnd type="none" w="med" len="med"/>
+                    </a:lnT>
+                    <a:lnB w="6350" cap="flat" cmpd="sng" algn="ctr">
+                      <a:solidFill>
+                        <a:srgbClr val="FFFFFF"/>
+                      </a:solidFill>
+                      <a:prstDash val="solid"/>
+                      <a:round/>
+                      <a:headEnd type="none" w="med" len="med"/>
+                      <a:tailEnd type="none" w="med" len="med"/>
+                    </a:lnB>
+                    <a:solidFill>
+                      <a:srgbClr val="C6E0B4"/>
+                    </a:solidFill>
+                  </a:tcPr>
+                </a:tc>
+                <a:tc>
+                  <a:txBody>
+                    <a:bodyPr/>
+                    <a:lstStyle/>
+                    <a:p>
+                      <a:pPr algn="ctr" fontAlgn="ctr"/>
+                      <a:r>
+                        <a:rPr lang="en-US" sz="1100" b="0" i="0" u="none" strike="noStrike">
+                          <a:solidFill>
+                            <a:srgbClr val="000000"/>
+                          </a:solidFill>
+                          <a:effectLst/>
+                          <a:latin typeface="Calibri" panose="020F0502020204030204" pitchFamily="34" charset="0"/>
+                        </a:rPr>
+                        <a:t>CPC Decreased</a:t>
+                      </a:r>
+                    </a:p>
+                  </a:txBody>
+                  <a:tcPr marL="4763" marR="4763" marT="4763" marB="0" anchor="ctr">
+                    <a:lnL w="6350" cap="flat" cmpd="sng" algn="ctr">
+                      <a:solidFill>
+                        <a:srgbClr val="FFFFFF"/>
+                      </a:solidFill>
+                      <a:prstDash val="solid"/>
+                      <a:round/>
+                      <a:headEnd type="none" w="med" len="med"/>
+                      <a:tailEnd type="none" w="med" len="med"/>
+                    </a:lnL>
+                    <a:lnR w="6350" cap="flat" cmpd="sng" algn="ctr">
+                      <a:solidFill>
+                        <a:srgbClr val="FFFFFF"/>
+                      </a:solidFill>
+                      <a:prstDash val="solid"/>
+                      <a:round/>
+                      <a:headEnd type="none" w="med" len="med"/>
+                      <a:tailEnd type="none" w="med" len="med"/>
+                    </a:lnR>
+                    <a:lnT w="6350" cap="flat" cmpd="sng" algn="ctr">
+                      <a:solidFill>
+                        <a:srgbClr val="FFFFFF"/>
+                      </a:solidFill>
+                      <a:prstDash val="solid"/>
+                      <a:round/>
+                      <a:headEnd type="none" w="med" len="med"/>
+                      <a:tailEnd type="none" w="med" len="med"/>
+                    </a:lnT>
+                    <a:lnB w="6350" cap="flat" cmpd="sng" algn="ctr">
+                      <a:solidFill>
+                        <a:srgbClr val="FFFFFF"/>
+                      </a:solidFill>
+                      <a:prstDash val="solid"/>
+                      <a:round/>
+                      <a:headEnd type="none" w="med" len="med"/>
+                      <a:tailEnd type="none" w="med" len="med"/>
+                    </a:lnB>
+                    <a:solidFill>
+                      <a:srgbClr val="C6E0B4"/>
+                    </a:solidFill>
+                  </a:tcPr>
+                </a:tc>
+                <a:tc>
+                  <a:txBody>
+                    <a:bodyPr/>
+                    <a:lstStyle/>
+                    <a:p>
+                      <a:pPr algn="ctr" fontAlgn="ctr"/>
+                      <a:r>
+                        <a:rPr lang="en-US" sz="1100" b="0" i="0" u="none" strike="noStrike">
+                          <a:solidFill>
+                            <a:srgbClr val="000000"/>
+                          </a:solidFill>
+                          <a:effectLst/>
+                          <a:latin typeface="Calibri" panose="020F0502020204030204" pitchFamily="34" charset="0"/>
+                        </a:rPr>
+                        <a:t>Keyword Paused</a:t>
+                      </a:r>
+                    </a:p>
+                  </a:txBody>
+                  <a:tcPr marL="4763" marR="4763" marT="4763" marB="0" anchor="ctr">
+                    <a:lnL w="6350" cap="flat" cmpd="sng" algn="ctr">
+                      <a:solidFill>
+                        <a:srgbClr val="FFFFFF"/>
+                      </a:solidFill>
+                      <a:prstDash val="solid"/>
+                      <a:round/>
+                      <a:headEnd type="none" w="med" len="med"/>
+                      <a:tailEnd type="none" w="med" len="med"/>
+                    </a:lnL>
+                    <a:lnR w="6350" cap="flat" cmpd="sng" algn="ctr">
+                      <a:solidFill>
+                        <a:srgbClr val="FFFFFF"/>
+                      </a:solidFill>
+                      <a:prstDash val="solid"/>
+                      <a:round/>
+                      <a:headEnd type="none" w="med" len="med"/>
+                      <a:tailEnd type="none" w="med" len="med"/>
+                    </a:lnR>
+                    <a:lnT w="6350" cap="flat" cmpd="sng" algn="ctr">
+                      <a:solidFill>
+                        <a:srgbClr val="FFFFFF"/>
+                      </a:solidFill>
+                      <a:prstDash val="solid"/>
+                      <a:round/>
+                      <a:headEnd type="none" w="med" len="med"/>
+                      <a:tailEnd type="none" w="med" len="med"/>
+                    </a:lnT>
+                    <a:lnB w="6350" cap="flat" cmpd="sng" algn="ctr">
+                      <a:solidFill>
+                        <a:srgbClr val="FFFFFF"/>
+                      </a:solidFill>
+                      <a:prstDash val="solid"/>
+                      <a:round/>
+                      <a:headEnd type="none" w="med" len="med"/>
+                      <a:tailEnd type="none" w="med" len="med"/>
+                    </a:lnB>
+                    <a:solidFill>
+                      <a:srgbClr val="C6E0B4"/>
+                    </a:solidFill>
+                  </a:tcPr>
+                </a:tc>
+                <a:tc>
+                  <a:txBody>
+                    <a:bodyPr/>
+                    <a:lstStyle/>
+                    <a:p>
+                      <a:pPr algn="ctr" fontAlgn="ctr"/>
+                      <a:r>
+                        <a:rPr lang="en-US" sz="1100" b="0" i="0" u="none" strike="noStrike">
+                          <a:solidFill>
+                            <a:srgbClr val="000000"/>
+                          </a:solidFill>
+                          <a:effectLst/>
+                          <a:latin typeface="Calibri" panose="020F0502020204030204" pitchFamily="34" charset="0"/>
+                        </a:rPr>
+                        <a:t>Negative keywords added</a:t>
+                      </a:r>
+                    </a:p>
+                  </a:txBody>
+                  <a:tcPr marL="4763" marR="4763" marT="4763" marB="0" anchor="ctr">
+                    <a:lnL w="6350" cap="flat" cmpd="sng" algn="ctr">
+                      <a:solidFill>
+                        <a:srgbClr val="FFFFFF"/>
+                      </a:solidFill>
+                      <a:prstDash val="solid"/>
+                      <a:round/>
+                      <a:headEnd type="none" w="med" len="med"/>
+                      <a:tailEnd type="none" w="med" len="med"/>
+                    </a:lnL>
+                    <a:lnR>
+                      <a:noFill/>
+                    </a:lnR>
+                    <a:lnT w="6350" cap="flat" cmpd="sng" algn="ctr">
+                      <a:solidFill>
+                        <a:srgbClr val="FFFFFF"/>
+                      </a:solidFill>
+                      <a:prstDash val="solid"/>
+                      <a:round/>
+                      <a:headEnd type="none" w="med" len="med"/>
+                      <a:tailEnd type="none" w="med" len="med"/>
+                    </a:lnT>
+                    <a:lnB w="6350" cap="flat" cmpd="sng" algn="ctr">
+                      <a:solidFill>
+                        <a:srgbClr val="FFFFFF"/>
+                      </a:solidFill>
+                      <a:prstDash val="solid"/>
+                      <a:round/>
+                      <a:headEnd type="none" w="med" len="med"/>
+                      <a:tailEnd type="none" w="med" len="med"/>
+                    </a:lnB>
+                    <a:solidFill>
+                      <a:srgbClr val="C6E0B4"/>
+                    </a:solidFill>
+                  </a:tcPr>
+                </a:tc>
+                <a:extLst>
+                  <a:ext uri="{0D108BD9-81ED-4DB2-BD59-A6C34878D82A}">
+                    <a16:rowId xmlns:a16="http://schemas.microsoft.com/office/drawing/2014/main" val="2959236829"/>
+                  </a:ext>
+                </a:extLst>
+              </a:tr>
+              <a:tr h="342900">
+                <a:tc>
+                  <a:txBody>
+                    <a:bodyPr/>
+                    <a:lstStyle/>
+                    <a:p>
+                      <a:pPr algn="ctr" fontAlgn="ctr"/>
+                      <a:r>
+                        <a:rPr lang="en-US" sz="1100" b="0" i="0" u="none" strike="noStrike">
+                          <a:solidFill>
+                            <a:srgbClr val="000000"/>
+                          </a:solidFill>
+                          <a:effectLst/>
+                          <a:latin typeface="Calibri" panose="020F0502020204030204" pitchFamily="34" charset="0"/>
+                        </a:rPr>
+                        <a:t>116</a:t>
+                      </a:r>
+                    </a:p>
+                  </a:txBody>
+                  <a:tcPr marL="4763" marR="4763" marT="4763" marB="0" anchor="ctr">
+                    <a:lnL>
+                      <a:noFill/>
+                    </a:lnL>
+                    <a:lnR w="6350" cap="flat" cmpd="sng" algn="ctr">
+                      <a:solidFill>
+                        <a:srgbClr val="FFFFFF"/>
+                      </a:solidFill>
+                      <a:prstDash val="solid"/>
+                      <a:round/>
+                      <a:headEnd type="none" w="med" len="med"/>
+                      <a:tailEnd type="none" w="med" len="med"/>
+                    </a:lnR>
+                    <a:lnT w="6350" cap="flat" cmpd="sng" algn="ctr">
+                      <a:solidFill>
+                        <a:srgbClr val="FFFFFF"/>
+                      </a:solidFill>
+                      <a:prstDash val="solid"/>
+                      <a:round/>
+                      <a:headEnd type="none" w="med" len="med"/>
+                      <a:tailEnd type="none" w="med" len="med"/>
+                    </a:lnT>
+                    <a:lnB>
+                      <a:noFill/>
+                    </a:lnB>
+                    <a:solidFill>
+                      <a:srgbClr val="E2EFDA"/>
+                    </a:solidFill>
+                  </a:tcPr>
+                </a:tc>
+                <a:tc>
+                  <a:txBody>
+                    <a:bodyPr/>
+                    <a:lstStyle/>
+                    <a:p>
+                      <a:pPr algn="ctr" fontAlgn="ctr"/>
+                      <a:r>
+                        <a:rPr lang="en-US" sz="1100" b="0" i="0" u="none" strike="noStrike">
+                          <a:solidFill>
+                            <a:srgbClr val="000000"/>
+                          </a:solidFill>
+                          <a:effectLst/>
+                          <a:latin typeface="Calibri" panose="020F0502020204030204" pitchFamily="34" charset="0"/>
+                        </a:rPr>
+                        <a:t>51</a:t>
+                      </a:r>
+                    </a:p>
+                  </a:txBody>
+                  <a:tcPr marL="4763" marR="4763" marT="4763" marB="0" anchor="ctr">
+                    <a:lnL w="6350" cap="flat" cmpd="sng" algn="ctr">
+                      <a:solidFill>
+                        <a:srgbClr val="FFFFFF"/>
+                      </a:solidFill>
+                      <a:prstDash val="solid"/>
+                      <a:round/>
+                      <a:headEnd type="none" w="med" len="med"/>
+                      <a:tailEnd type="none" w="med" len="med"/>
+                    </a:lnL>
+                    <a:lnR w="6350" cap="flat" cmpd="sng" algn="ctr">
+                      <a:solidFill>
+                        <a:srgbClr val="FFFFFF"/>
+                      </a:solidFill>
+                      <a:prstDash val="solid"/>
+                      <a:round/>
+                      <a:headEnd type="none" w="med" len="med"/>
+                      <a:tailEnd type="none" w="med" len="med"/>
+                    </a:lnR>
+                    <a:lnT w="6350" cap="flat" cmpd="sng" algn="ctr">
+                      <a:solidFill>
+                        <a:srgbClr val="FFFFFF"/>
+                      </a:solidFill>
+                      <a:prstDash val="solid"/>
+                      <a:round/>
+                      <a:headEnd type="none" w="med" len="med"/>
+                      <a:tailEnd type="none" w="med" len="med"/>
+                    </a:lnT>
+                    <a:lnB>
+                      <a:noFill/>
+                    </a:lnB>
+                    <a:solidFill>
+                      <a:srgbClr val="E2EFDA"/>
+                    </a:solidFill>
+                  </a:tcPr>
+                </a:tc>
+                <a:tc>
+                  <a:txBody>
+                    <a:bodyPr/>
+                    <a:lstStyle/>
+                    <a:p>
+                      <a:pPr algn="ctr" fontAlgn="ctr"/>
+                      <a:r>
+                        <a:rPr lang="en-US" sz="1100" b="0" i="0" u="none" strike="noStrike">
+                          <a:solidFill>
+                            <a:srgbClr val="000000"/>
+                          </a:solidFill>
+                          <a:effectLst/>
+                          <a:latin typeface="Calibri" panose="020F0502020204030204" pitchFamily="34" charset="0"/>
+                        </a:rPr>
+                        <a:t>97</a:t>
+                      </a:r>
+                    </a:p>
+                  </a:txBody>
+                  <a:tcPr marL="4763" marR="4763" marT="4763" marB="0" anchor="ctr">
+                    <a:lnL w="6350" cap="flat" cmpd="sng" algn="ctr">
+                      <a:solidFill>
+                        <a:srgbClr val="FFFFFF"/>
+                      </a:solidFill>
+                      <a:prstDash val="solid"/>
+                      <a:round/>
+                      <a:headEnd type="none" w="med" len="med"/>
+                      <a:tailEnd type="none" w="med" len="med"/>
+                    </a:lnL>
+                    <a:lnR w="6350" cap="flat" cmpd="sng" algn="ctr">
+                      <a:solidFill>
+                        <a:srgbClr val="FFFFFF"/>
+                      </a:solidFill>
+                      <a:prstDash val="solid"/>
+                      <a:round/>
+                      <a:headEnd type="none" w="med" len="med"/>
+                      <a:tailEnd type="none" w="med" len="med"/>
+                    </a:lnR>
+                    <a:lnT w="6350" cap="flat" cmpd="sng" algn="ctr">
+                      <a:solidFill>
+                        <a:srgbClr val="FFFFFF"/>
+                      </a:solidFill>
+                      <a:prstDash val="solid"/>
+                      <a:round/>
+                      <a:headEnd type="none" w="med" len="med"/>
+                      <a:tailEnd type="none" w="med" len="med"/>
+                    </a:lnT>
+                    <a:lnB>
+                      <a:noFill/>
+                    </a:lnB>
+                    <a:solidFill>
+                      <a:srgbClr val="E2EFDA"/>
+                    </a:solidFill>
+                  </a:tcPr>
+                </a:tc>
+                <a:tc>
+                  <a:txBody>
+                    <a:bodyPr/>
+                    <a:lstStyle/>
+                    <a:p>
+                      <a:pPr algn="ctr" fontAlgn="ctr"/>
+                      <a:r>
+                        <a:rPr lang="en-US" sz="1100" b="0" i="0" u="none" strike="noStrike" dirty="0">
+                          <a:solidFill>
+                            <a:srgbClr val="000000"/>
+                          </a:solidFill>
+                          <a:effectLst/>
+                          <a:latin typeface="Calibri" panose="020F0502020204030204" pitchFamily="34" charset="0"/>
+                        </a:rPr>
+                        <a:t>77</a:t>
+                      </a:r>
+                    </a:p>
+                  </a:txBody>
+                  <a:tcPr marL="4763" marR="4763" marT="4763" marB="0" anchor="ctr">
+                    <a:lnL w="6350" cap="flat" cmpd="sng" algn="ctr">
+                      <a:solidFill>
+                        <a:srgbClr val="FFFFFF"/>
+                      </a:solidFill>
+                      <a:prstDash val="solid"/>
+                      <a:round/>
+                      <a:headEnd type="none" w="med" len="med"/>
+                      <a:tailEnd type="none" w="med" len="med"/>
+                    </a:lnL>
+                    <a:lnR>
+                      <a:noFill/>
+                    </a:lnR>
+                    <a:lnT w="6350" cap="flat" cmpd="sng" algn="ctr">
+                      <a:solidFill>
+                        <a:srgbClr val="FFFFFF"/>
+                      </a:solidFill>
+                      <a:prstDash val="solid"/>
+                      <a:round/>
+                      <a:headEnd type="none" w="med" len="med"/>
+                      <a:tailEnd type="none" w="med" len="med"/>
+                    </a:lnT>
+                    <a:lnB>
+                      <a:noFill/>
+                    </a:lnB>
+                    <a:solidFill>
+                      <a:srgbClr val="E2EFDA"/>
+                    </a:solidFill>
+                  </a:tcPr>
+                </a:tc>
+                <a:extLst>
+                  <a:ext uri="{0D108BD9-81ED-4DB2-BD59-A6C34878D82A}">
+                    <a16:rowId xmlns:a16="http://schemas.microsoft.com/office/drawing/2014/main" val="3519583771"/>
                   </a:ext>
                 </a:extLst>
               </a:tr>
@@ -10035,11 +10707,6 @@
               </a:rPr>
               <a:t>Tracking page visits</a:t>
             </a:r>
-            <a:endParaRPr lang="en-US" sz="2000" b="1" dirty="0">
-              <a:solidFill>
-                <a:schemeClr val="accent1"/>
-              </a:solidFill>
-            </a:endParaRPr>
           </a:p>
         </p:txBody>
       </p:sp>
@@ -10149,11 +10816,7 @@
             </a:br>
             <a:r>
               <a:rPr lang="en-US" sz="1200" dirty="0" smtClean="0"/>
-              <a:t>(</a:t>
-            </a:r>
-            <a:r>
-              <a:rPr lang="en-US" sz="1200" dirty="0" smtClean="0"/>
-              <a:t>Oct 12 to Oct 25)</a:t>
+              <a:t>(Oct 12 to Oct 25)</a:t>
             </a:r>
             <a:endParaRPr lang="en-US" sz="1200" dirty="0"/>
           </a:p>

--- a/GoogleAdwords_Reports/10-27-2017_Adwords-Reeport.pptx
+++ b/GoogleAdwords_Reports/10-27-2017_Adwords-Reeport.pptx
@@ -844,7 +844,7 @@
           <a:p>
             <a:fld id="{C9AD6E8C-ABA4-432E-AE22-AD73587291BB}" type="datetimeFigureOut">
               <a:rPr lang="en-US" smtClean="0"/>
-              <a:t>10/26/2017</a:t>
+              <a:t>10/27/2017</a:t>
             </a:fld>
             <a:endParaRPr lang="en-US"/>
           </a:p>
@@ -1095,7 +1095,7 @@
           <a:p>
             <a:fld id="{C9AD6E8C-ABA4-432E-AE22-AD73587291BB}" type="datetimeFigureOut">
               <a:rPr lang="en-US" smtClean="0"/>
-              <a:t>10/26/2017</a:t>
+              <a:t>10/27/2017</a:t>
             </a:fld>
             <a:endParaRPr lang="en-US"/>
           </a:p>
@@ -1409,7 +1409,7 @@
           <a:p>
             <a:fld id="{C9AD6E8C-ABA4-432E-AE22-AD73587291BB}" type="datetimeFigureOut">
               <a:rPr lang="en-US" smtClean="0"/>
-              <a:t>10/26/2017</a:t>
+              <a:t>10/27/2017</a:t>
             </a:fld>
             <a:endParaRPr lang="en-US"/>
           </a:p>
@@ -1750,7 +1750,7 @@
           <a:p>
             <a:fld id="{C9AD6E8C-ABA4-432E-AE22-AD73587291BB}" type="datetimeFigureOut">
               <a:rPr lang="en-US" smtClean="0"/>
-              <a:t>10/26/2017</a:t>
+              <a:t>10/27/2017</a:t>
             </a:fld>
             <a:endParaRPr lang="en-US"/>
           </a:p>
@@ -2064,7 +2064,7 @@
           <a:p>
             <a:fld id="{C9AD6E8C-ABA4-432E-AE22-AD73587291BB}" type="datetimeFigureOut">
               <a:rPr lang="en-US" smtClean="0"/>
-              <a:t>10/26/2017</a:t>
+              <a:t>10/27/2017</a:t>
             </a:fld>
             <a:endParaRPr lang="en-US"/>
           </a:p>
@@ -2457,7 +2457,7 @@
           <a:p>
             <a:fld id="{C9AD6E8C-ABA4-432E-AE22-AD73587291BB}" type="datetimeFigureOut">
               <a:rPr lang="en-US" smtClean="0"/>
-              <a:t>10/26/2017</a:t>
+              <a:t>10/27/2017</a:t>
             </a:fld>
             <a:endParaRPr lang="en-US"/>
           </a:p>
@@ -2627,7 +2627,7 @@
           <a:p>
             <a:fld id="{C9AD6E8C-ABA4-432E-AE22-AD73587291BB}" type="datetimeFigureOut">
               <a:rPr lang="en-US" smtClean="0"/>
-              <a:t>10/26/2017</a:t>
+              <a:t>10/27/2017</a:t>
             </a:fld>
             <a:endParaRPr lang="en-US"/>
           </a:p>
@@ -2807,7 +2807,7 @@
           <a:p>
             <a:fld id="{C9AD6E8C-ABA4-432E-AE22-AD73587291BB}" type="datetimeFigureOut">
               <a:rPr lang="en-US" smtClean="0"/>
-              <a:t>10/26/2017</a:t>
+              <a:t>10/27/2017</a:t>
             </a:fld>
             <a:endParaRPr lang="en-US"/>
           </a:p>
@@ -2983,7 +2983,7 @@
           <a:p>
             <a:fld id="{C9AD6E8C-ABA4-432E-AE22-AD73587291BB}" type="datetimeFigureOut">
               <a:rPr lang="en-US" smtClean="0"/>
-              <a:t>10/26/2017</a:t>
+              <a:t>10/27/2017</a:t>
             </a:fld>
             <a:endParaRPr lang="en-US"/>
           </a:p>
@@ -3230,7 +3230,7 @@
           <a:p>
             <a:fld id="{C9AD6E8C-ABA4-432E-AE22-AD73587291BB}" type="datetimeFigureOut">
               <a:rPr lang="en-US" smtClean="0"/>
-              <a:t>10/26/2017</a:t>
+              <a:t>10/27/2017</a:t>
             </a:fld>
             <a:endParaRPr lang="en-US"/>
           </a:p>
@@ -3462,7 +3462,7 @@
           <a:p>
             <a:fld id="{C9AD6E8C-ABA4-432E-AE22-AD73587291BB}" type="datetimeFigureOut">
               <a:rPr lang="en-US" smtClean="0"/>
-              <a:t>10/26/2017</a:t>
+              <a:t>10/27/2017</a:t>
             </a:fld>
             <a:endParaRPr lang="en-US"/>
           </a:p>
@@ -3836,7 +3836,7 @@
           <a:p>
             <a:fld id="{C9AD6E8C-ABA4-432E-AE22-AD73587291BB}" type="datetimeFigureOut">
               <a:rPr lang="en-US" smtClean="0"/>
-              <a:t>10/26/2017</a:t>
+              <a:t>10/27/2017</a:t>
             </a:fld>
             <a:endParaRPr lang="en-US"/>
           </a:p>
@@ -3959,7 +3959,7 @@
           <a:p>
             <a:fld id="{C9AD6E8C-ABA4-432E-AE22-AD73587291BB}" type="datetimeFigureOut">
               <a:rPr lang="en-US" smtClean="0"/>
-              <a:t>10/26/2017</a:t>
+              <a:t>10/27/2017</a:t>
             </a:fld>
             <a:endParaRPr lang="en-US"/>
           </a:p>
@@ -4054,7 +4054,7 @@
           <a:p>
             <a:fld id="{C9AD6E8C-ABA4-432E-AE22-AD73587291BB}" type="datetimeFigureOut">
               <a:rPr lang="en-US" smtClean="0"/>
-              <a:t>10/26/2017</a:t>
+              <a:t>10/27/2017</a:t>
             </a:fld>
             <a:endParaRPr lang="en-US"/>
           </a:p>
@@ -4309,7 +4309,7 @@
           <a:p>
             <a:fld id="{C9AD6E8C-ABA4-432E-AE22-AD73587291BB}" type="datetimeFigureOut">
               <a:rPr lang="en-US" smtClean="0"/>
-              <a:t>10/26/2017</a:t>
+              <a:t>10/27/2017</a:t>
             </a:fld>
             <a:endParaRPr lang="en-US"/>
           </a:p>
@@ -4572,7 +4572,7 @@
           <a:p>
             <a:fld id="{C9AD6E8C-ABA4-432E-AE22-AD73587291BB}" type="datetimeFigureOut">
               <a:rPr lang="en-US" smtClean="0"/>
-              <a:t>10/26/2017</a:t>
+              <a:t>10/27/2017</a:t>
             </a:fld>
             <a:endParaRPr lang="en-US"/>
           </a:p>
@@ -5315,7 +5315,7 @@
           <a:p>
             <a:fld id="{C9AD6E8C-ABA4-432E-AE22-AD73587291BB}" type="datetimeFigureOut">
               <a:rPr lang="en-US" smtClean="0"/>
-              <a:t>10/26/2017</a:t>
+              <a:t>10/27/2017</a:t>
             </a:fld>
             <a:endParaRPr lang="en-US"/>
           </a:p>
@@ -9610,13 +9610,13 @@
           <p:nvPr>
             <p:extLst>
               <p:ext uri="{D42A27DB-BD31-4B8C-83A1-F6EECF244321}">
-                <p14:modId xmlns:p14="http://schemas.microsoft.com/office/powerpoint/2010/main" val="1821322215"/>
+                <p14:modId xmlns:p14="http://schemas.microsoft.com/office/powerpoint/2010/main" val="1404740438"/>
               </p:ext>
             </p:extLst>
           </p:nvPr>
         </p:nvGraphicFramePr>
         <p:xfrm>
-          <a:off x="3331017" y="4841138"/>
+          <a:off x="783749" y="4935349"/>
           <a:ext cx="3289300" cy="1524000"/>
         </p:xfrm>
         <a:graphic>
@@ -9901,14 +9901,24 @@
                     <a:p>
                       <a:pPr algn="ctr" fontAlgn="ctr"/>
                       <a:r>
-                        <a:rPr lang="en-US" sz="1100" b="0" i="0" u="none" strike="noStrike">
+                        <a:rPr lang="en-US" sz="1100" b="0" i="0" u="none" strike="noStrike" dirty="0" smtClean="0">
                           <a:solidFill>
                             <a:srgbClr val="000000"/>
                           </a:solidFill>
                           <a:effectLst/>
                           <a:latin typeface="Calibri" panose="020F0502020204030204" pitchFamily="34" charset="0"/>
                         </a:rPr>
-                        <a:t>CPC Increased</a:t>
+                        <a:t>Max Bid </a:t>
+                      </a:r>
+                      <a:r>
+                        <a:rPr lang="en-US" sz="1100" b="0" i="0" u="none" strike="noStrike" dirty="0">
+                          <a:solidFill>
+                            <a:srgbClr val="000000"/>
+                          </a:solidFill>
+                          <a:effectLst/>
+                          <a:latin typeface="Calibri" panose="020F0502020204030204" pitchFamily="34" charset="0"/>
+                        </a:rPr>
+                        <a:t>Increased</a:t>
                       </a:r>
                     </a:p>
                   </a:txBody>
@@ -9955,14 +9965,24 @@
                     <a:p>
                       <a:pPr algn="ctr" fontAlgn="ctr"/>
                       <a:r>
-                        <a:rPr lang="en-US" sz="1100" b="0" i="0" u="none" strike="noStrike">
+                        <a:rPr lang="en-US" sz="1100" b="0" i="0" u="none" strike="noStrike" dirty="0" smtClean="0">
                           <a:solidFill>
                             <a:srgbClr val="000000"/>
                           </a:solidFill>
                           <a:effectLst/>
                           <a:latin typeface="Calibri" panose="020F0502020204030204" pitchFamily="34" charset="0"/>
                         </a:rPr>
-                        <a:t>CPC Decreased</a:t>
+                        <a:t>Max Bid </a:t>
+                      </a:r>
+                      <a:r>
+                        <a:rPr lang="en-US" sz="1100" b="0" i="0" u="none" strike="noStrike" dirty="0">
+                          <a:solidFill>
+                            <a:srgbClr val="000000"/>
+                          </a:solidFill>
+                          <a:effectLst/>
+                          <a:latin typeface="Calibri" panose="020F0502020204030204" pitchFamily="34" charset="0"/>
+                        </a:rPr>
+                        <a:t>Decreased</a:t>
                       </a:r>
                     </a:p>
                   </a:txBody>
@@ -10015,7 +10035,7 @@
                     <a:p>
                       <a:pPr algn="ctr" fontAlgn="ctr"/>
                       <a:r>
-                        <a:rPr lang="en-US" sz="1100" b="0" i="0" u="none" strike="noStrike">
+                        <a:rPr lang="en-US" sz="1100" b="0" i="0" u="none" strike="noStrike" dirty="0">
                           <a:solidFill>
                             <a:srgbClr val="000000"/>
                           </a:solidFill>
@@ -10336,6 +10356,947 @@
                 <a:extLst>
                   <a:ext uri="{0D108BD9-81ED-4DB2-BD59-A6C34878D82A}">
                     <a16:rowId xmlns:a16="http://schemas.microsoft.com/office/drawing/2014/main" val="3519583771"/>
+                  </a:ext>
+                </a:extLst>
+              </a:tr>
+            </a:tbl>
+          </a:graphicData>
+        </a:graphic>
+      </p:graphicFrame>
+      <p:graphicFrame>
+        <p:nvGraphicFramePr>
+          <p:cNvPr id="5" name="Table 4"/>
+          <p:cNvGraphicFramePr>
+            <a:graphicFrameLocks noGrp="1"/>
+          </p:cNvGraphicFramePr>
+          <p:nvPr>
+            <p:extLst>
+              <p:ext uri="{D42A27DB-BD31-4B8C-83A1-F6EECF244321}">
+                <p14:modId xmlns:p14="http://schemas.microsoft.com/office/powerpoint/2010/main" val="1026255888"/>
+              </p:ext>
+            </p:extLst>
+          </p:nvPr>
+        </p:nvGraphicFramePr>
+        <p:xfrm>
+          <a:off x="4722942" y="4935349"/>
+          <a:ext cx="4444644" cy="1437744"/>
+        </p:xfrm>
+        <a:graphic>
+          <a:graphicData uri="http://schemas.openxmlformats.org/drawingml/2006/table">
+            <a:tbl>
+              <a:tblPr/>
+              <a:tblGrid>
+                <a:gridCol w="2474859">
+                  <a:extLst>
+                    <a:ext uri="{9D8B030D-6E8A-4147-A177-3AD203B41FA5}">
+                      <a16:colId xmlns:a16="http://schemas.microsoft.com/office/drawing/2014/main" val="3254815479"/>
+                    </a:ext>
+                  </a:extLst>
+                </a:gridCol>
+                <a:gridCol w="1969785">
+                  <a:extLst>
+                    <a:ext uri="{9D8B030D-6E8A-4147-A177-3AD203B41FA5}">
+                      <a16:colId xmlns:a16="http://schemas.microsoft.com/office/drawing/2014/main" val="2669111647"/>
+                    </a:ext>
+                  </a:extLst>
+                </a:gridCol>
+              </a:tblGrid>
+              <a:tr h="179718">
+                <a:tc>
+                  <a:txBody>
+                    <a:bodyPr/>
+                    <a:lstStyle/>
+                    <a:p>
+                      <a:pPr algn="l" fontAlgn="ctr"/>
+                      <a:r>
+                        <a:rPr lang="en-US" sz="1100" b="1" i="0" u="none" strike="noStrike">
+                          <a:solidFill>
+                            <a:srgbClr val="FFFFFF"/>
+                          </a:solidFill>
+                          <a:effectLst/>
+                          <a:latin typeface="Calibri" panose="020F0502020204030204" pitchFamily="34" charset="0"/>
+                        </a:rPr>
+                        <a:t>Example:</a:t>
+                      </a:r>
+                    </a:p>
+                  </a:txBody>
+                  <a:tcPr marL="4763" marR="4763" marT="4763" marB="0" anchor="ctr">
+                    <a:lnL w="6350" cap="flat" cmpd="sng" algn="ctr">
+                      <a:solidFill>
+                        <a:srgbClr val="A9D08E"/>
+                      </a:solidFill>
+                      <a:prstDash val="solid"/>
+                      <a:round/>
+                      <a:headEnd type="none" w="med" len="med"/>
+                      <a:tailEnd type="none" w="med" len="med"/>
+                    </a:lnL>
+                    <a:lnR>
+                      <a:noFill/>
+                    </a:lnR>
+                    <a:lnT w="6350" cap="flat" cmpd="sng" algn="ctr">
+                      <a:solidFill>
+                        <a:srgbClr val="A9D08E"/>
+                      </a:solidFill>
+                      <a:prstDash val="solid"/>
+                      <a:round/>
+                      <a:headEnd type="none" w="med" len="med"/>
+                      <a:tailEnd type="none" w="med" len="med"/>
+                    </a:lnT>
+                    <a:lnB w="6350" cap="flat" cmpd="sng" algn="ctr">
+                      <a:solidFill>
+                        <a:srgbClr val="A9D08E"/>
+                      </a:solidFill>
+                      <a:prstDash val="solid"/>
+                      <a:round/>
+                      <a:headEnd type="none" w="med" len="med"/>
+                      <a:tailEnd type="none" w="med" len="med"/>
+                    </a:lnB>
+                    <a:solidFill>
+                      <a:srgbClr val="70AD47"/>
+                    </a:solidFill>
+                  </a:tcPr>
+                </a:tc>
+                <a:tc>
+                  <a:txBody>
+                    <a:bodyPr/>
+                    <a:lstStyle/>
+                    <a:p>
+                      <a:pPr algn="l" fontAlgn="ctr"/>
+                      <a:endParaRPr lang="en-US" sz="1100" b="1" i="0" u="none" strike="noStrike" dirty="0">
+                        <a:solidFill>
+                          <a:srgbClr val="FFFFFF"/>
+                        </a:solidFill>
+                        <a:effectLst/>
+                        <a:latin typeface="Calibri" panose="020F0502020204030204" pitchFamily="34" charset="0"/>
+                      </a:endParaRPr>
+                    </a:p>
+                  </a:txBody>
+                  <a:tcPr marL="4763" marR="4763" marT="4763" marB="0" anchor="ctr">
+                    <a:lnL>
+                      <a:noFill/>
+                    </a:lnL>
+                    <a:lnR w="6350" cap="flat" cmpd="sng" algn="ctr">
+                      <a:solidFill>
+                        <a:srgbClr val="A9D08E"/>
+                      </a:solidFill>
+                      <a:prstDash val="solid"/>
+                      <a:round/>
+                      <a:headEnd type="none" w="med" len="med"/>
+                      <a:tailEnd type="none" w="med" len="med"/>
+                    </a:lnR>
+                    <a:lnT w="6350" cap="flat" cmpd="sng" algn="ctr">
+                      <a:solidFill>
+                        <a:srgbClr val="A9D08E"/>
+                      </a:solidFill>
+                      <a:prstDash val="solid"/>
+                      <a:round/>
+                      <a:headEnd type="none" w="med" len="med"/>
+                      <a:tailEnd type="none" w="med" len="med"/>
+                    </a:lnT>
+                    <a:lnB w="6350" cap="flat" cmpd="sng" algn="ctr">
+                      <a:solidFill>
+                        <a:srgbClr val="A9D08E"/>
+                      </a:solidFill>
+                      <a:prstDash val="solid"/>
+                      <a:round/>
+                      <a:headEnd type="none" w="med" len="med"/>
+                      <a:tailEnd type="none" w="med" len="med"/>
+                    </a:lnB>
+                    <a:solidFill>
+                      <a:srgbClr val="70AD47"/>
+                    </a:solidFill>
+                  </a:tcPr>
+                </a:tc>
+                <a:extLst>
+                  <a:ext uri="{0D108BD9-81ED-4DB2-BD59-A6C34878D82A}">
+                    <a16:rowId xmlns:a16="http://schemas.microsoft.com/office/drawing/2014/main" val="3454611771"/>
+                  </a:ext>
+                </a:extLst>
+              </a:tr>
+              <a:tr h="179718">
+                <a:tc>
+                  <a:txBody>
+                    <a:bodyPr/>
+                    <a:lstStyle/>
+                    <a:p>
+                      <a:pPr algn="l" fontAlgn="ctr"/>
+                      <a:r>
+                        <a:rPr lang="en-US" sz="1100" b="1" i="0" u="none" strike="noStrike">
+                          <a:solidFill>
+                            <a:srgbClr val="000000"/>
+                          </a:solidFill>
+                          <a:effectLst/>
+                          <a:latin typeface="Calibri" panose="020F0502020204030204" pitchFamily="34" charset="0"/>
+                        </a:rPr>
+                        <a:t>Keyword:</a:t>
+                      </a:r>
+                    </a:p>
+                  </a:txBody>
+                  <a:tcPr marL="4763" marR="4763" marT="4763" marB="0" anchor="ctr">
+                    <a:lnL w="6350" cap="flat" cmpd="sng" algn="ctr">
+                      <a:solidFill>
+                        <a:srgbClr val="A9D08E"/>
+                      </a:solidFill>
+                      <a:prstDash val="solid"/>
+                      <a:round/>
+                      <a:headEnd type="none" w="med" len="med"/>
+                      <a:tailEnd type="none" w="med" len="med"/>
+                    </a:lnL>
+                    <a:lnR>
+                      <a:noFill/>
+                    </a:lnR>
+                    <a:lnT w="6350" cap="flat" cmpd="sng" algn="ctr">
+                      <a:solidFill>
+                        <a:srgbClr val="A9D08E"/>
+                      </a:solidFill>
+                      <a:prstDash val="solid"/>
+                      <a:round/>
+                      <a:headEnd type="none" w="med" len="med"/>
+                      <a:tailEnd type="none" w="med" len="med"/>
+                    </a:lnT>
+                    <a:lnB w="6350" cap="flat" cmpd="sng" algn="ctr">
+                      <a:solidFill>
+                        <a:srgbClr val="A9D08E"/>
+                      </a:solidFill>
+                      <a:prstDash val="solid"/>
+                      <a:round/>
+                      <a:headEnd type="none" w="med" len="med"/>
+                      <a:tailEnd type="none" w="med" len="med"/>
+                    </a:lnB>
+                    <a:solidFill>
+                      <a:srgbClr val="E2EFDA"/>
+                    </a:solidFill>
+                  </a:tcPr>
+                </a:tc>
+                <a:tc>
+                  <a:txBody>
+                    <a:bodyPr/>
+                    <a:lstStyle/>
+                    <a:p>
+                      <a:pPr algn="l" fontAlgn="ctr"/>
+                      <a:r>
+                        <a:rPr lang="en-US" sz="1100" b="1" i="0" u="none" strike="noStrike" dirty="0">
+                          <a:solidFill>
+                            <a:srgbClr val="000000"/>
+                          </a:solidFill>
+                          <a:effectLst/>
+                          <a:latin typeface="Calibri" panose="020F0502020204030204" pitchFamily="34" charset="0"/>
+                        </a:rPr>
+                        <a:t>Online Programs</a:t>
+                      </a:r>
+                    </a:p>
+                  </a:txBody>
+                  <a:tcPr marL="4763" marR="4763" marT="4763" marB="0" anchor="ctr">
+                    <a:lnL>
+                      <a:noFill/>
+                    </a:lnL>
+                    <a:lnR w="6350" cap="flat" cmpd="sng" algn="ctr">
+                      <a:solidFill>
+                        <a:srgbClr val="A9D08E"/>
+                      </a:solidFill>
+                      <a:prstDash val="solid"/>
+                      <a:round/>
+                      <a:headEnd type="none" w="med" len="med"/>
+                      <a:tailEnd type="none" w="med" len="med"/>
+                    </a:lnR>
+                    <a:lnT w="6350" cap="flat" cmpd="sng" algn="ctr">
+                      <a:solidFill>
+                        <a:srgbClr val="A9D08E"/>
+                      </a:solidFill>
+                      <a:prstDash val="solid"/>
+                      <a:round/>
+                      <a:headEnd type="none" w="med" len="med"/>
+                      <a:tailEnd type="none" w="med" len="med"/>
+                    </a:lnT>
+                    <a:lnB w="6350" cap="flat" cmpd="sng" algn="ctr">
+                      <a:solidFill>
+                        <a:srgbClr val="A9D08E"/>
+                      </a:solidFill>
+                      <a:prstDash val="solid"/>
+                      <a:round/>
+                      <a:headEnd type="none" w="med" len="med"/>
+                      <a:tailEnd type="none" w="med" len="med"/>
+                    </a:lnB>
+                    <a:solidFill>
+                      <a:srgbClr val="E2EFDA"/>
+                    </a:solidFill>
+                  </a:tcPr>
+                </a:tc>
+                <a:extLst>
+                  <a:ext uri="{0D108BD9-81ED-4DB2-BD59-A6C34878D82A}">
+                    <a16:rowId xmlns:a16="http://schemas.microsoft.com/office/drawing/2014/main" val="983062746"/>
+                  </a:ext>
+                </a:extLst>
+              </a:tr>
+              <a:tr h="179718">
+                <a:tc>
+                  <a:txBody>
+                    <a:bodyPr/>
+                    <a:lstStyle/>
+                    <a:p>
+                      <a:pPr algn="l" fontAlgn="ctr"/>
+                      <a:r>
+                        <a:rPr lang="en-US" sz="1100" b="0" i="0" u="none" strike="noStrike">
+                          <a:solidFill>
+                            <a:srgbClr val="000000"/>
+                          </a:solidFill>
+                          <a:effectLst/>
+                          <a:latin typeface="Calibri" panose="020F0502020204030204" pitchFamily="34" charset="0"/>
+                        </a:rPr>
+                        <a:t>First Max Bid</a:t>
+                      </a:r>
+                    </a:p>
+                  </a:txBody>
+                  <a:tcPr marL="4763" marR="4763" marT="4763" marB="0" anchor="ctr">
+                    <a:lnL w="6350" cap="flat" cmpd="sng" algn="ctr">
+                      <a:solidFill>
+                        <a:srgbClr val="A9D08E"/>
+                      </a:solidFill>
+                      <a:prstDash val="solid"/>
+                      <a:round/>
+                      <a:headEnd type="none" w="med" len="med"/>
+                      <a:tailEnd type="none" w="med" len="med"/>
+                    </a:lnL>
+                    <a:lnR>
+                      <a:noFill/>
+                    </a:lnR>
+                    <a:lnT w="6350" cap="flat" cmpd="sng" algn="ctr">
+                      <a:solidFill>
+                        <a:srgbClr val="A9D08E"/>
+                      </a:solidFill>
+                      <a:prstDash val="solid"/>
+                      <a:round/>
+                      <a:headEnd type="none" w="med" len="med"/>
+                      <a:tailEnd type="none" w="med" len="med"/>
+                    </a:lnT>
+                    <a:lnB w="6350" cap="flat" cmpd="sng" algn="ctr">
+                      <a:solidFill>
+                        <a:srgbClr val="A9D08E"/>
+                      </a:solidFill>
+                      <a:prstDash val="solid"/>
+                      <a:round/>
+                      <a:headEnd type="none" w="med" len="med"/>
+                      <a:tailEnd type="none" w="med" len="med"/>
+                    </a:lnB>
+                  </a:tcPr>
+                </a:tc>
+                <a:tc>
+                  <a:txBody>
+                    <a:bodyPr/>
+                    <a:lstStyle/>
+                    <a:p>
+                      <a:pPr algn="l" fontAlgn="ctr"/>
+                      <a:r>
+                        <a:rPr lang="en-US" sz="1100" b="0" i="0" u="none" strike="noStrike">
+                          <a:solidFill>
+                            <a:srgbClr val="000000"/>
+                          </a:solidFill>
+                          <a:effectLst/>
+                          <a:latin typeface="Calibri" panose="020F0502020204030204" pitchFamily="34" charset="0"/>
+                        </a:rPr>
+                        <a:t> $                0.67 </a:t>
+                      </a:r>
+                    </a:p>
+                  </a:txBody>
+                  <a:tcPr marL="4763" marR="4763" marT="4763" marB="0" anchor="ctr">
+                    <a:lnL>
+                      <a:noFill/>
+                    </a:lnL>
+                    <a:lnR w="6350" cap="flat" cmpd="sng" algn="ctr">
+                      <a:solidFill>
+                        <a:srgbClr val="A9D08E"/>
+                      </a:solidFill>
+                      <a:prstDash val="solid"/>
+                      <a:round/>
+                      <a:headEnd type="none" w="med" len="med"/>
+                      <a:tailEnd type="none" w="med" len="med"/>
+                    </a:lnR>
+                    <a:lnT w="6350" cap="flat" cmpd="sng" algn="ctr">
+                      <a:solidFill>
+                        <a:srgbClr val="A9D08E"/>
+                      </a:solidFill>
+                      <a:prstDash val="solid"/>
+                      <a:round/>
+                      <a:headEnd type="none" w="med" len="med"/>
+                      <a:tailEnd type="none" w="med" len="med"/>
+                    </a:lnT>
+                    <a:lnB w="6350" cap="flat" cmpd="sng" algn="ctr">
+                      <a:solidFill>
+                        <a:srgbClr val="A9D08E"/>
+                      </a:solidFill>
+                      <a:prstDash val="solid"/>
+                      <a:round/>
+                      <a:headEnd type="none" w="med" len="med"/>
+                      <a:tailEnd type="none" w="med" len="med"/>
+                    </a:lnB>
+                  </a:tcPr>
+                </a:tc>
+                <a:extLst>
+                  <a:ext uri="{0D108BD9-81ED-4DB2-BD59-A6C34878D82A}">
+                    <a16:rowId xmlns:a16="http://schemas.microsoft.com/office/drawing/2014/main" val="1954622174"/>
+                  </a:ext>
+                </a:extLst>
+              </a:tr>
+              <a:tr h="179718">
+                <a:tc>
+                  <a:txBody>
+                    <a:bodyPr/>
+                    <a:lstStyle/>
+                    <a:p>
+                      <a:pPr algn="l" fontAlgn="ctr"/>
+                      <a:r>
+                        <a:rPr lang="en-US" sz="1100" b="0" i="0" u="none" strike="noStrike">
+                          <a:solidFill>
+                            <a:srgbClr val="000000"/>
+                          </a:solidFill>
+                          <a:effectLst/>
+                          <a:latin typeface="Calibri" panose="020F0502020204030204" pitchFamily="34" charset="0"/>
+                        </a:rPr>
+                        <a:t>First Match type:</a:t>
+                      </a:r>
+                    </a:p>
+                  </a:txBody>
+                  <a:tcPr marL="4763" marR="4763" marT="4763" marB="0" anchor="ctr">
+                    <a:lnL w="6350" cap="flat" cmpd="sng" algn="ctr">
+                      <a:solidFill>
+                        <a:srgbClr val="A9D08E"/>
+                      </a:solidFill>
+                      <a:prstDash val="solid"/>
+                      <a:round/>
+                      <a:headEnd type="none" w="med" len="med"/>
+                      <a:tailEnd type="none" w="med" len="med"/>
+                    </a:lnL>
+                    <a:lnR>
+                      <a:noFill/>
+                    </a:lnR>
+                    <a:lnT w="6350" cap="flat" cmpd="sng" algn="ctr">
+                      <a:solidFill>
+                        <a:srgbClr val="A9D08E"/>
+                      </a:solidFill>
+                      <a:prstDash val="solid"/>
+                      <a:round/>
+                      <a:headEnd type="none" w="med" len="med"/>
+                      <a:tailEnd type="none" w="med" len="med"/>
+                    </a:lnT>
+                    <a:lnB w="6350" cap="flat" cmpd="sng" algn="ctr">
+                      <a:solidFill>
+                        <a:srgbClr val="A9D08E"/>
+                      </a:solidFill>
+                      <a:prstDash val="solid"/>
+                      <a:round/>
+                      <a:headEnd type="none" w="med" len="med"/>
+                      <a:tailEnd type="none" w="med" len="med"/>
+                    </a:lnB>
+                    <a:solidFill>
+                      <a:srgbClr val="E2EFDA"/>
+                    </a:solidFill>
+                  </a:tcPr>
+                </a:tc>
+                <a:tc>
+                  <a:txBody>
+                    <a:bodyPr/>
+                    <a:lstStyle/>
+                    <a:p>
+                      <a:pPr algn="l" fontAlgn="ctr"/>
+                      <a:r>
+                        <a:rPr lang="en-US" sz="1100" b="0" i="0" u="none" strike="noStrike">
+                          <a:solidFill>
+                            <a:srgbClr val="000000"/>
+                          </a:solidFill>
+                          <a:effectLst/>
+                          <a:latin typeface="Calibri" panose="020F0502020204030204" pitchFamily="34" charset="0"/>
+                        </a:rPr>
+                        <a:t>Broad</a:t>
+                      </a:r>
+                    </a:p>
+                  </a:txBody>
+                  <a:tcPr marL="4763" marR="4763" marT="4763" marB="0" anchor="ctr">
+                    <a:lnL>
+                      <a:noFill/>
+                    </a:lnL>
+                    <a:lnR w="6350" cap="flat" cmpd="sng" algn="ctr">
+                      <a:solidFill>
+                        <a:srgbClr val="A9D08E"/>
+                      </a:solidFill>
+                      <a:prstDash val="solid"/>
+                      <a:round/>
+                      <a:headEnd type="none" w="med" len="med"/>
+                      <a:tailEnd type="none" w="med" len="med"/>
+                    </a:lnR>
+                    <a:lnT w="6350" cap="flat" cmpd="sng" algn="ctr">
+                      <a:solidFill>
+                        <a:srgbClr val="A9D08E"/>
+                      </a:solidFill>
+                      <a:prstDash val="solid"/>
+                      <a:round/>
+                      <a:headEnd type="none" w="med" len="med"/>
+                      <a:tailEnd type="none" w="med" len="med"/>
+                    </a:lnT>
+                    <a:lnB w="6350" cap="flat" cmpd="sng" algn="ctr">
+                      <a:solidFill>
+                        <a:srgbClr val="A9D08E"/>
+                      </a:solidFill>
+                      <a:prstDash val="solid"/>
+                      <a:round/>
+                      <a:headEnd type="none" w="med" len="med"/>
+                      <a:tailEnd type="none" w="med" len="med"/>
+                    </a:lnB>
+                    <a:solidFill>
+                      <a:srgbClr val="E2EFDA"/>
+                    </a:solidFill>
+                  </a:tcPr>
+                </a:tc>
+                <a:extLst>
+                  <a:ext uri="{0D108BD9-81ED-4DB2-BD59-A6C34878D82A}">
+                    <a16:rowId xmlns:a16="http://schemas.microsoft.com/office/drawing/2014/main" val="1326620377"/>
+                  </a:ext>
+                </a:extLst>
+              </a:tr>
+              <a:tr h="179718">
+                <a:tc>
+                  <a:txBody>
+                    <a:bodyPr/>
+                    <a:lstStyle/>
+                    <a:p>
+                      <a:pPr algn="l" fontAlgn="ctr"/>
+                      <a:r>
+                        <a:rPr lang="en-US" sz="1100" b="0" i="0" u="none" strike="noStrike">
+                          <a:solidFill>
+                            <a:srgbClr val="000000"/>
+                          </a:solidFill>
+                          <a:effectLst/>
+                          <a:latin typeface="Calibri" panose="020F0502020204030204" pitchFamily="34" charset="0"/>
+                        </a:rPr>
+                        <a:t>Match Type Changed</a:t>
+                      </a:r>
+                    </a:p>
+                  </a:txBody>
+                  <a:tcPr marL="4763" marR="4763" marT="4763" marB="0" anchor="ctr">
+                    <a:lnL w="6350" cap="flat" cmpd="sng" algn="ctr">
+                      <a:solidFill>
+                        <a:srgbClr val="A9D08E"/>
+                      </a:solidFill>
+                      <a:prstDash val="solid"/>
+                      <a:round/>
+                      <a:headEnd type="none" w="med" len="med"/>
+                      <a:tailEnd type="none" w="med" len="med"/>
+                    </a:lnL>
+                    <a:lnR>
+                      <a:noFill/>
+                    </a:lnR>
+                    <a:lnT w="6350" cap="flat" cmpd="sng" algn="ctr">
+                      <a:solidFill>
+                        <a:srgbClr val="A9D08E"/>
+                      </a:solidFill>
+                      <a:prstDash val="solid"/>
+                      <a:round/>
+                      <a:headEnd type="none" w="med" len="med"/>
+                      <a:tailEnd type="none" w="med" len="med"/>
+                    </a:lnT>
+                    <a:lnB w="6350" cap="flat" cmpd="sng" algn="ctr">
+                      <a:solidFill>
+                        <a:srgbClr val="A9D08E"/>
+                      </a:solidFill>
+                      <a:prstDash val="solid"/>
+                      <a:round/>
+                      <a:headEnd type="none" w="med" len="med"/>
+                      <a:tailEnd type="none" w="med" len="med"/>
+                    </a:lnB>
+                  </a:tcPr>
+                </a:tc>
+                <a:tc>
+                  <a:txBody>
+                    <a:bodyPr/>
+                    <a:lstStyle/>
+                    <a:p>
+                      <a:pPr algn="l" fontAlgn="ctr"/>
+                      <a:r>
+                        <a:rPr lang="en-US" sz="1100" b="0" i="0" u="none" strike="noStrike">
+                          <a:solidFill>
+                            <a:srgbClr val="000000"/>
+                          </a:solidFill>
+                          <a:effectLst/>
+                          <a:latin typeface="Calibri" panose="020F0502020204030204" pitchFamily="34" charset="0"/>
+                        </a:rPr>
+                        <a:t>Phrase</a:t>
+                      </a:r>
+                    </a:p>
+                  </a:txBody>
+                  <a:tcPr marL="4763" marR="4763" marT="4763" marB="0" anchor="ctr">
+                    <a:lnL>
+                      <a:noFill/>
+                    </a:lnL>
+                    <a:lnR w="6350" cap="flat" cmpd="sng" algn="ctr">
+                      <a:solidFill>
+                        <a:srgbClr val="A9D08E"/>
+                      </a:solidFill>
+                      <a:prstDash val="solid"/>
+                      <a:round/>
+                      <a:headEnd type="none" w="med" len="med"/>
+                      <a:tailEnd type="none" w="med" len="med"/>
+                    </a:lnR>
+                    <a:lnT w="6350" cap="flat" cmpd="sng" algn="ctr">
+                      <a:solidFill>
+                        <a:srgbClr val="A9D08E"/>
+                      </a:solidFill>
+                      <a:prstDash val="solid"/>
+                      <a:round/>
+                      <a:headEnd type="none" w="med" len="med"/>
+                      <a:tailEnd type="none" w="med" len="med"/>
+                    </a:lnT>
+                    <a:lnB w="6350" cap="flat" cmpd="sng" algn="ctr">
+                      <a:solidFill>
+                        <a:srgbClr val="A9D08E"/>
+                      </a:solidFill>
+                      <a:prstDash val="solid"/>
+                      <a:round/>
+                      <a:headEnd type="none" w="med" len="med"/>
+                      <a:tailEnd type="none" w="med" len="med"/>
+                    </a:lnB>
+                  </a:tcPr>
+                </a:tc>
+                <a:extLst>
+                  <a:ext uri="{0D108BD9-81ED-4DB2-BD59-A6C34878D82A}">
+                    <a16:rowId xmlns:a16="http://schemas.microsoft.com/office/drawing/2014/main" val="3366744843"/>
+                  </a:ext>
+                </a:extLst>
+              </a:tr>
+              <a:tr h="179718">
+                <a:tc>
+                  <a:txBody>
+                    <a:bodyPr/>
+                    <a:lstStyle/>
+                    <a:p>
+                      <a:pPr algn="l" fontAlgn="ctr"/>
+                      <a:r>
+                        <a:rPr lang="en-US" sz="1100" b="0" i="0" u="none" strike="noStrike">
+                          <a:solidFill>
+                            <a:srgbClr val="000000"/>
+                          </a:solidFill>
+                          <a:effectLst/>
+                          <a:latin typeface="Calibri" panose="020F0502020204030204" pitchFamily="34" charset="0"/>
+                        </a:rPr>
+                        <a:t>Max CPC increased</a:t>
+                      </a:r>
+                    </a:p>
+                  </a:txBody>
+                  <a:tcPr marL="4763" marR="4763" marT="4763" marB="0" anchor="ctr">
+                    <a:lnL w="6350" cap="flat" cmpd="sng" algn="ctr">
+                      <a:solidFill>
+                        <a:srgbClr val="A9D08E"/>
+                      </a:solidFill>
+                      <a:prstDash val="solid"/>
+                      <a:round/>
+                      <a:headEnd type="none" w="med" len="med"/>
+                      <a:tailEnd type="none" w="med" len="med"/>
+                    </a:lnL>
+                    <a:lnR>
+                      <a:noFill/>
+                    </a:lnR>
+                    <a:lnT w="6350" cap="flat" cmpd="sng" algn="ctr">
+                      <a:solidFill>
+                        <a:srgbClr val="A9D08E"/>
+                      </a:solidFill>
+                      <a:prstDash val="solid"/>
+                      <a:round/>
+                      <a:headEnd type="none" w="med" len="med"/>
+                      <a:tailEnd type="none" w="med" len="med"/>
+                    </a:lnT>
+                    <a:lnB w="6350" cap="flat" cmpd="sng" algn="ctr">
+                      <a:solidFill>
+                        <a:srgbClr val="A9D08E"/>
+                      </a:solidFill>
+                      <a:prstDash val="solid"/>
+                      <a:round/>
+                      <a:headEnd type="none" w="med" len="med"/>
+                      <a:tailEnd type="none" w="med" len="med"/>
+                    </a:lnB>
+                    <a:solidFill>
+                      <a:srgbClr val="E2EFDA"/>
+                    </a:solidFill>
+                  </a:tcPr>
+                </a:tc>
+                <a:tc>
+                  <a:txBody>
+                    <a:bodyPr/>
+                    <a:lstStyle/>
+                    <a:p>
+                      <a:pPr algn="l" fontAlgn="ctr"/>
+                      <a:r>
+                        <a:rPr lang="en-US" sz="1100" b="0" i="0" u="none" strike="noStrike">
+                          <a:solidFill>
+                            <a:srgbClr val="000000"/>
+                          </a:solidFill>
+                          <a:effectLst/>
+                          <a:latin typeface="Calibri" panose="020F0502020204030204" pitchFamily="34" charset="0"/>
+                        </a:rPr>
+                        <a:t> $              15.00 </a:t>
+                      </a:r>
+                    </a:p>
+                  </a:txBody>
+                  <a:tcPr marL="4763" marR="4763" marT="4763" marB="0" anchor="ctr">
+                    <a:lnL>
+                      <a:noFill/>
+                    </a:lnL>
+                    <a:lnR w="6350" cap="flat" cmpd="sng" algn="ctr">
+                      <a:solidFill>
+                        <a:srgbClr val="A9D08E"/>
+                      </a:solidFill>
+                      <a:prstDash val="solid"/>
+                      <a:round/>
+                      <a:headEnd type="none" w="med" len="med"/>
+                      <a:tailEnd type="none" w="med" len="med"/>
+                    </a:lnR>
+                    <a:lnT w="6350" cap="flat" cmpd="sng" algn="ctr">
+                      <a:solidFill>
+                        <a:srgbClr val="A9D08E"/>
+                      </a:solidFill>
+                      <a:prstDash val="solid"/>
+                      <a:round/>
+                      <a:headEnd type="none" w="med" len="med"/>
+                      <a:tailEnd type="none" w="med" len="med"/>
+                    </a:lnT>
+                    <a:lnB w="6350" cap="flat" cmpd="sng" algn="ctr">
+                      <a:solidFill>
+                        <a:srgbClr val="A9D08E"/>
+                      </a:solidFill>
+                      <a:prstDash val="solid"/>
+                      <a:round/>
+                      <a:headEnd type="none" w="med" len="med"/>
+                      <a:tailEnd type="none" w="med" len="med"/>
+                    </a:lnB>
+                    <a:solidFill>
+                      <a:srgbClr val="E2EFDA"/>
+                    </a:solidFill>
+                  </a:tcPr>
+                </a:tc>
+                <a:extLst>
+                  <a:ext uri="{0D108BD9-81ED-4DB2-BD59-A6C34878D82A}">
+                    <a16:rowId xmlns:a16="http://schemas.microsoft.com/office/drawing/2014/main" val="2579538722"/>
+                  </a:ext>
+                </a:extLst>
+              </a:tr>
+              <a:tr h="179718">
+                <a:tc>
+                  <a:txBody>
+                    <a:bodyPr/>
+                    <a:lstStyle/>
+                    <a:p>
+                      <a:pPr algn="l" fontAlgn="ctr"/>
+                      <a:r>
+                        <a:rPr lang="en-US" sz="1100" b="0" i="0" u="none" strike="noStrike">
+                          <a:solidFill>
+                            <a:srgbClr val="000000"/>
+                          </a:solidFill>
+                          <a:effectLst/>
+                          <a:latin typeface="Calibri" panose="020F0502020204030204" pitchFamily="34" charset="0"/>
+                        </a:rPr>
+                        <a:t>Max CPC increased</a:t>
+                      </a:r>
+                    </a:p>
+                  </a:txBody>
+                  <a:tcPr marL="4763" marR="4763" marT="4763" marB="0" anchor="ctr">
+                    <a:lnL w="6350" cap="flat" cmpd="sng" algn="ctr">
+                      <a:solidFill>
+                        <a:srgbClr val="A9D08E"/>
+                      </a:solidFill>
+                      <a:prstDash val="solid"/>
+                      <a:round/>
+                      <a:headEnd type="none" w="med" len="med"/>
+                      <a:tailEnd type="none" w="med" len="med"/>
+                    </a:lnL>
+                    <a:lnR>
+                      <a:noFill/>
+                    </a:lnR>
+                    <a:lnT w="6350" cap="flat" cmpd="sng" algn="ctr">
+                      <a:solidFill>
+                        <a:srgbClr val="A9D08E"/>
+                      </a:solidFill>
+                      <a:prstDash val="solid"/>
+                      <a:round/>
+                      <a:headEnd type="none" w="med" len="med"/>
+                      <a:tailEnd type="none" w="med" len="med"/>
+                    </a:lnT>
+                    <a:lnB w="6350" cap="flat" cmpd="sng" algn="ctr">
+                      <a:solidFill>
+                        <a:srgbClr val="A9D08E"/>
+                      </a:solidFill>
+                      <a:prstDash val="solid"/>
+                      <a:round/>
+                      <a:headEnd type="none" w="med" len="med"/>
+                      <a:tailEnd type="none" w="med" len="med"/>
+                    </a:lnB>
+                  </a:tcPr>
+                </a:tc>
+                <a:tc>
+                  <a:txBody>
+                    <a:bodyPr/>
+                    <a:lstStyle/>
+                    <a:p>
+                      <a:pPr algn="l" fontAlgn="ctr"/>
+                      <a:r>
+                        <a:rPr lang="en-US" sz="1100" b="0" i="0" u="none" strike="noStrike">
+                          <a:solidFill>
+                            <a:srgbClr val="000000"/>
+                          </a:solidFill>
+                          <a:effectLst/>
+                          <a:latin typeface="Calibri" panose="020F0502020204030204" pitchFamily="34" charset="0"/>
+                        </a:rPr>
+                        <a:t> $              20.00 </a:t>
+                      </a:r>
+                    </a:p>
+                  </a:txBody>
+                  <a:tcPr marL="4763" marR="4763" marT="4763" marB="0" anchor="ctr">
+                    <a:lnL>
+                      <a:noFill/>
+                    </a:lnL>
+                    <a:lnR w="6350" cap="flat" cmpd="sng" algn="ctr">
+                      <a:solidFill>
+                        <a:srgbClr val="A9D08E"/>
+                      </a:solidFill>
+                      <a:prstDash val="solid"/>
+                      <a:round/>
+                      <a:headEnd type="none" w="med" len="med"/>
+                      <a:tailEnd type="none" w="med" len="med"/>
+                    </a:lnR>
+                    <a:lnT w="6350" cap="flat" cmpd="sng" algn="ctr">
+                      <a:solidFill>
+                        <a:srgbClr val="A9D08E"/>
+                      </a:solidFill>
+                      <a:prstDash val="solid"/>
+                      <a:round/>
+                      <a:headEnd type="none" w="med" len="med"/>
+                      <a:tailEnd type="none" w="med" len="med"/>
+                    </a:lnT>
+                    <a:lnB w="6350" cap="flat" cmpd="sng" algn="ctr">
+                      <a:solidFill>
+                        <a:srgbClr val="A9D08E"/>
+                      </a:solidFill>
+                      <a:prstDash val="solid"/>
+                      <a:round/>
+                      <a:headEnd type="none" w="med" len="med"/>
+                      <a:tailEnd type="none" w="med" len="med"/>
+                    </a:lnB>
+                  </a:tcPr>
+                </a:tc>
+                <a:extLst>
+                  <a:ext uri="{0D108BD9-81ED-4DB2-BD59-A6C34878D82A}">
+                    <a16:rowId xmlns:a16="http://schemas.microsoft.com/office/drawing/2014/main" val="2497488349"/>
+                  </a:ext>
+                </a:extLst>
+              </a:tr>
+              <a:tr h="179718">
+                <a:tc>
+                  <a:txBody>
+                    <a:bodyPr/>
+                    <a:lstStyle/>
+                    <a:p>
+                      <a:pPr algn="l" fontAlgn="ctr"/>
+                      <a:r>
+                        <a:rPr lang="en-US" sz="1100" b="0" i="0" u="none" strike="noStrike">
+                          <a:solidFill>
+                            <a:srgbClr val="000000"/>
+                          </a:solidFill>
+                          <a:effectLst/>
+                          <a:latin typeface="Calibri" panose="020F0502020204030204" pitchFamily="34" charset="0"/>
+                        </a:rPr>
+                        <a:t>Keyword Paused</a:t>
+                      </a:r>
+                    </a:p>
+                  </a:txBody>
+                  <a:tcPr marL="4763" marR="4763" marT="4763" marB="0" anchor="ctr">
+                    <a:lnL w="6350" cap="flat" cmpd="sng" algn="ctr">
+                      <a:solidFill>
+                        <a:srgbClr val="A9D08E"/>
+                      </a:solidFill>
+                      <a:prstDash val="solid"/>
+                      <a:round/>
+                      <a:headEnd type="none" w="med" len="med"/>
+                      <a:tailEnd type="none" w="med" len="med"/>
+                    </a:lnL>
+                    <a:lnR>
+                      <a:noFill/>
+                    </a:lnR>
+                    <a:lnT w="6350" cap="flat" cmpd="sng" algn="ctr">
+                      <a:solidFill>
+                        <a:srgbClr val="A9D08E"/>
+                      </a:solidFill>
+                      <a:prstDash val="solid"/>
+                      <a:round/>
+                      <a:headEnd type="none" w="med" len="med"/>
+                      <a:tailEnd type="none" w="med" len="med"/>
+                    </a:lnT>
+                    <a:lnB w="6350" cap="flat" cmpd="sng" algn="ctr">
+                      <a:solidFill>
+                        <a:srgbClr val="A9D08E"/>
+                      </a:solidFill>
+                      <a:prstDash val="solid"/>
+                      <a:round/>
+                      <a:headEnd type="none" w="med" len="med"/>
+                      <a:tailEnd type="none" w="med" len="med"/>
+                    </a:lnB>
+                    <a:solidFill>
+                      <a:srgbClr val="E2EFDA"/>
+                    </a:solidFill>
+                  </a:tcPr>
+                </a:tc>
+                <a:tc>
+                  <a:txBody>
+                    <a:bodyPr/>
+                    <a:lstStyle/>
+                    <a:p>
+                      <a:pPr algn="l" fontAlgn="ctr"/>
+                      <a:r>
+                        <a:rPr lang="en-US" sz="1100" b="0" i="0" u="none" strike="noStrike" dirty="0">
+                          <a:solidFill>
+                            <a:srgbClr val="000000"/>
+                          </a:solidFill>
+                          <a:effectLst/>
+                          <a:latin typeface="Calibri" panose="020F0502020204030204" pitchFamily="34" charset="0"/>
+                        </a:rPr>
+                        <a:t>-</a:t>
+                      </a:r>
+                    </a:p>
+                  </a:txBody>
+                  <a:tcPr marL="4763" marR="4763" marT="4763" marB="0" anchor="ctr">
+                    <a:lnL>
+                      <a:noFill/>
+                    </a:lnL>
+                    <a:lnR w="6350" cap="flat" cmpd="sng" algn="ctr">
+                      <a:solidFill>
+                        <a:srgbClr val="A9D08E"/>
+                      </a:solidFill>
+                      <a:prstDash val="solid"/>
+                      <a:round/>
+                      <a:headEnd type="none" w="med" len="med"/>
+                      <a:tailEnd type="none" w="med" len="med"/>
+                    </a:lnR>
+                    <a:lnT w="6350" cap="flat" cmpd="sng" algn="ctr">
+                      <a:solidFill>
+                        <a:srgbClr val="A9D08E"/>
+                      </a:solidFill>
+                      <a:prstDash val="solid"/>
+                      <a:round/>
+                      <a:headEnd type="none" w="med" len="med"/>
+                      <a:tailEnd type="none" w="med" len="med"/>
+                    </a:lnT>
+                    <a:lnB w="6350" cap="flat" cmpd="sng" algn="ctr">
+                      <a:solidFill>
+                        <a:srgbClr val="A9D08E"/>
+                      </a:solidFill>
+                      <a:prstDash val="solid"/>
+                      <a:round/>
+                      <a:headEnd type="none" w="med" len="med"/>
+                      <a:tailEnd type="none" w="med" len="med"/>
+                    </a:lnB>
+                    <a:solidFill>
+                      <a:srgbClr val="E2EFDA"/>
+                    </a:solidFill>
+                  </a:tcPr>
+                </a:tc>
+                <a:extLst>
+                  <a:ext uri="{0D108BD9-81ED-4DB2-BD59-A6C34878D82A}">
+                    <a16:rowId xmlns:a16="http://schemas.microsoft.com/office/drawing/2014/main" val="750285376"/>
                   </a:ext>
                 </a:extLst>
               </a:tr>
